--- a/DBProject_Group U.pptx
+++ b/DBProject_Group U.pptx
@@ -11,7 +11,6 @@
     <p:sldId id="260" r:id="rId5"/>
     <p:sldId id="259" r:id="rId6"/>
     <p:sldId id="262" r:id="rId7"/>
-    <p:sldId id="261" r:id="rId8"/>
   </p:sldIdLst>
   <p:sldSz cx="12192000" cy="6858000"/>
   <p:notesSz cx="6858000" cy="9144000"/>
@@ -267,7 +266,7 @@
           <a:p>
             <a:fld id="{7ECAB744-40C1-4E48-8845-973CD3D058DB}" type="datetimeFigureOut">
               <a:rPr lang="en-CA" smtClean="0"/>
-              <a:t>2023-12-31</a:t>
+              <a:t>2024-01-04</a:t>
             </a:fld>
             <a:endParaRPr lang="en-CA"/>
           </a:p>
@@ -467,7 +466,7 @@
           <a:p>
             <a:fld id="{7ECAB744-40C1-4E48-8845-973CD3D058DB}" type="datetimeFigureOut">
               <a:rPr lang="en-CA" smtClean="0"/>
-              <a:t>2023-12-31</a:t>
+              <a:t>2024-01-04</a:t>
             </a:fld>
             <a:endParaRPr lang="en-CA"/>
           </a:p>
@@ -677,7 +676,7 @@
           <a:p>
             <a:fld id="{7ECAB744-40C1-4E48-8845-973CD3D058DB}" type="datetimeFigureOut">
               <a:rPr lang="en-CA" smtClean="0"/>
-              <a:t>2023-12-31</a:t>
+              <a:t>2024-01-04</a:t>
             </a:fld>
             <a:endParaRPr lang="en-CA"/>
           </a:p>
@@ -877,7 +876,7 @@
           <a:p>
             <a:fld id="{7ECAB744-40C1-4E48-8845-973CD3D058DB}" type="datetimeFigureOut">
               <a:rPr lang="en-CA" smtClean="0"/>
-              <a:t>2023-12-31</a:t>
+              <a:t>2024-01-04</a:t>
             </a:fld>
             <a:endParaRPr lang="en-CA"/>
           </a:p>
@@ -1153,7 +1152,7 @@
           <a:p>
             <a:fld id="{7ECAB744-40C1-4E48-8845-973CD3D058DB}" type="datetimeFigureOut">
               <a:rPr lang="en-CA" smtClean="0"/>
-              <a:t>2023-12-31</a:t>
+              <a:t>2024-01-04</a:t>
             </a:fld>
             <a:endParaRPr lang="en-CA"/>
           </a:p>
@@ -1421,7 +1420,7 @@
           <a:p>
             <a:fld id="{7ECAB744-40C1-4E48-8845-973CD3D058DB}" type="datetimeFigureOut">
               <a:rPr lang="en-CA" smtClean="0"/>
-              <a:t>2023-12-31</a:t>
+              <a:t>2024-01-04</a:t>
             </a:fld>
             <a:endParaRPr lang="en-CA"/>
           </a:p>
@@ -1836,7 +1835,7 @@
           <a:p>
             <a:fld id="{7ECAB744-40C1-4E48-8845-973CD3D058DB}" type="datetimeFigureOut">
               <a:rPr lang="en-CA" smtClean="0"/>
-              <a:t>2023-12-31</a:t>
+              <a:t>2024-01-04</a:t>
             </a:fld>
             <a:endParaRPr lang="en-CA"/>
           </a:p>
@@ -1978,7 +1977,7 @@
           <a:p>
             <a:fld id="{7ECAB744-40C1-4E48-8845-973CD3D058DB}" type="datetimeFigureOut">
               <a:rPr lang="en-CA" smtClean="0"/>
-              <a:t>2023-12-31</a:t>
+              <a:t>2024-01-04</a:t>
             </a:fld>
             <a:endParaRPr lang="en-CA"/>
           </a:p>
@@ -2091,7 +2090,7 @@
           <a:p>
             <a:fld id="{7ECAB744-40C1-4E48-8845-973CD3D058DB}" type="datetimeFigureOut">
               <a:rPr lang="en-CA" smtClean="0"/>
-              <a:t>2023-12-31</a:t>
+              <a:t>2024-01-04</a:t>
             </a:fld>
             <a:endParaRPr lang="en-CA"/>
           </a:p>
@@ -2404,7 +2403,7 @@
           <a:p>
             <a:fld id="{7ECAB744-40C1-4E48-8845-973CD3D058DB}" type="datetimeFigureOut">
               <a:rPr lang="en-CA" smtClean="0"/>
-              <a:t>2023-12-31</a:t>
+              <a:t>2024-01-04</a:t>
             </a:fld>
             <a:endParaRPr lang="en-CA"/>
           </a:p>
@@ -2693,7 +2692,7 @@
           <a:p>
             <a:fld id="{7ECAB744-40C1-4E48-8845-973CD3D058DB}" type="datetimeFigureOut">
               <a:rPr lang="en-CA" smtClean="0"/>
-              <a:t>2023-12-31</a:t>
+              <a:t>2024-01-04</a:t>
             </a:fld>
             <a:endParaRPr lang="en-CA"/>
           </a:p>
@@ -2936,7 +2935,7 @@
           <a:p>
             <a:fld id="{7ECAB744-40C1-4E48-8845-973CD3D058DB}" type="datetimeFigureOut">
               <a:rPr lang="en-CA" smtClean="0"/>
-              <a:t>2023-12-31</a:t>
+              <a:t>2024-01-04</a:t>
             </a:fld>
             <a:endParaRPr lang="en-CA"/>
           </a:p>
@@ -3383,7 +3382,7 @@
           <a:p>
             <a:r>
               <a:rPr lang="en-CA" b="1" dirty="0"/>
-              <a:t>Are flights going to/coming from the North delayed more?</a:t>
+              <a:t>Are flights coming from the North delayed more?</a:t>
             </a:r>
           </a:p>
         </p:txBody>
@@ -3692,12 +3691,337 @@
           </a:p>
         </p:txBody>
       </p:sp>
+      <p:sp>
+        <p:nvSpPr>
+          <p:cNvPr id="3" name="Textfeld 2">
+            <a:extLst>
+              <a:ext uri="{FF2B5EF4-FFF2-40B4-BE49-F238E27FC236}">
+                <a16:creationId xmlns:a16="http://schemas.microsoft.com/office/drawing/2014/main" id="{6DE48946-A728-019C-6BAF-38E72E890873}"/>
+              </a:ext>
+            </a:extLst>
+          </p:cNvPr>
+          <p:cNvSpPr txBox="1"/>
+          <p:nvPr/>
+        </p:nvSpPr>
+        <p:spPr>
+          <a:xfrm>
+            <a:off x="4832128" y="1895787"/>
+            <a:ext cx="6673979" cy="5893921"/>
+          </a:xfrm>
+          <a:prstGeom prst="rect">
+            <a:avLst/>
+          </a:prstGeom>
+          <a:noFill/>
+        </p:spPr>
+        <p:txBody>
+          <a:bodyPr wrap="square" rtlCol="0">
+            <a:spAutoFit/>
+          </a:bodyPr>
+          <a:lstStyle/>
+          <a:p>
+            <a:r>
+              <a:rPr lang="en-US" sz="1000" b="1" dirty="0">
+                <a:latin typeface="Courier New" panose="02070309020205020404" pitchFamily="49" charset="0"/>
+              </a:rPr>
+              <a:t>(1) /*Downloaded Datasets*/</a:t>
+            </a:r>
+          </a:p>
+          <a:p>
+            <a:r>
+              <a:rPr lang="en-US" sz="1000" b="1" dirty="0">
+                <a:latin typeface="Courier New" panose="02070309020205020404" pitchFamily="49" charset="0"/>
+              </a:rPr>
+              <a:t>(2) /*Create Entities*/</a:t>
+            </a:r>
+          </a:p>
+          <a:p>
+            <a:r>
+              <a:rPr lang="de-DE" sz="1050" dirty="0">
+                <a:latin typeface="Courier New" panose="02070309020205020404" pitchFamily="49" charset="0"/>
+              </a:rPr>
+              <a:t>CREATE TABLE Airport(</a:t>
+            </a:r>
+          </a:p>
+          <a:p>
+            <a:r>
+              <a:rPr lang="de-DE" sz="1050" dirty="0">
+                <a:latin typeface="Courier New" panose="02070309020205020404" pitchFamily="49" charset="0"/>
+              </a:rPr>
+              <a:t>	IATA_CODE VARCHAR(8) PRIMARY KEY,</a:t>
+            </a:r>
+          </a:p>
+          <a:p>
+            <a:r>
+              <a:rPr lang="de-DE" sz="1050" dirty="0">
+                <a:latin typeface="Courier New" panose="02070309020205020404" pitchFamily="49" charset="0"/>
+              </a:rPr>
+              <a:t>	LATITUDE FLOAT);</a:t>
+            </a:r>
+          </a:p>
+          <a:p>
+            <a:r>
+              <a:rPr lang="de-DE" sz="1050" dirty="0">
+                <a:latin typeface="Courier New" panose="02070309020205020404" pitchFamily="49" charset="0"/>
+              </a:rPr>
+              <a:t>CREATE TABLE Flight(</a:t>
+            </a:r>
+          </a:p>
+          <a:p>
+            <a:r>
+              <a:rPr lang="de-DE" sz="1050" dirty="0">
+                <a:latin typeface="Courier New" panose="02070309020205020404" pitchFamily="49" charset="0"/>
+              </a:rPr>
+              <a:t>	ID SERIAL PRIMARY KEY,</a:t>
+            </a:r>
+          </a:p>
+          <a:p>
+            <a:r>
+              <a:rPr lang="de-DE" sz="1050" dirty="0">
+                <a:latin typeface="Courier New" panose="02070309020205020404" pitchFamily="49" charset="0"/>
+              </a:rPr>
+              <a:t>	DEPARTURE_DELAY FLOAT,</a:t>
+            </a:r>
+          </a:p>
+          <a:p>
+            <a:r>
+              <a:rPr lang="de-DE" sz="1050" dirty="0">
+                <a:latin typeface="Courier New" panose="02070309020205020404" pitchFamily="49" charset="0"/>
+              </a:rPr>
+              <a:t>	ARRIVAL_DELAY FLOAT,</a:t>
+            </a:r>
+          </a:p>
+          <a:p>
+            <a:r>
+              <a:rPr lang="de-DE" sz="1050" dirty="0">
+                <a:latin typeface="Courier New" panose="02070309020205020404" pitchFamily="49" charset="0"/>
+              </a:rPr>
+              <a:t>	ORIGIN_AIRPORT VARCHAR(8),</a:t>
+            </a:r>
+          </a:p>
+          <a:p>
+            <a:r>
+              <a:rPr lang="de-DE" sz="1050" dirty="0">
+                <a:latin typeface="Courier New" panose="02070309020205020404" pitchFamily="49" charset="0"/>
+              </a:rPr>
+              <a:t>	DESTINATION_AIRPORT VARCHAR(8),</a:t>
+            </a:r>
+          </a:p>
+          <a:p>
+            <a:r>
+              <a:rPr lang="en-US" sz="1050" dirty="0">
+                <a:latin typeface="Courier New" panose="02070309020205020404" pitchFamily="49" charset="0"/>
+              </a:rPr>
+              <a:t>	FOREIGN KEY (ORIGIN_AIRPORT) REFERENCES Airport(IATA_CODE) ON 	DELETE CASCADE,</a:t>
+            </a:r>
+          </a:p>
+          <a:p>
+            <a:r>
+              <a:rPr lang="en-US" sz="1050" dirty="0">
+                <a:latin typeface="Courier New" panose="02070309020205020404" pitchFamily="49" charset="0"/>
+              </a:rPr>
+              <a:t>	FOREIGN KEY (DESTINATION_AIRPORT) REFERENCES Airport(IATA_CODE) 	ON DELETE CASCADE);</a:t>
+            </a:r>
+            <a:endParaRPr lang="en-US" sz="900" dirty="0">
+              <a:latin typeface="Courier New" panose="02070309020205020404" pitchFamily="49" charset="0"/>
+            </a:endParaRPr>
+          </a:p>
+          <a:p>
+            <a:r>
+              <a:rPr lang="en-US" sz="1000" b="1" dirty="0">
+                <a:latin typeface="Courier New" panose="02070309020205020404" pitchFamily="49" charset="0"/>
+              </a:rPr>
+              <a:t>(3) /*Ingest Airport Data</a:t>
+            </a:r>
+          </a:p>
+          <a:p>
+            <a:r>
+              <a:rPr lang="en-US" sz="1000" b="1" dirty="0">
+                <a:latin typeface="Courier New" panose="02070309020205020404" pitchFamily="49" charset="0"/>
+              </a:rPr>
+              <a:t>Using temporary table to load .csv file*/</a:t>
+            </a:r>
+          </a:p>
+          <a:p>
+            <a:r>
+              <a:rPr lang="en-US" sz="1000" b="1" dirty="0">
+                <a:latin typeface="Courier New" panose="02070309020205020404" pitchFamily="49" charset="0"/>
+              </a:rPr>
+              <a:t>(4) /*Create temporary table*/</a:t>
+            </a:r>
+          </a:p>
+          <a:p>
+            <a:r>
+              <a:rPr lang="en-US" sz="1000" b="1" dirty="0">
+                <a:latin typeface="Courier New" panose="02070309020205020404" pitchFamily="49" charset="0"/>
+              </a:rPr>
+              <a:t>(5) /*Load .csv file in Temporary Table*/</a:t>
+            </a:r>
+          </a:p>
+          <a:p>
+            <a:r>
+              <a:rPr lang="en-US" sz="1000" b="1" dirty="0">
+                <a:latin typeface="Courier New" panose="02070309020205020404" pitchFamily="49" charset="0"/>
+              </a:rPr>
+              <a:t>(6) /*ingest data from temporary table into Airport table*/</a:t>
+            </a:r>
+          </a:p>
+          <a:p>
+            <a:r>
+              <a:rPr lang="en-US" sz="1000" b="1" dirty="0">
+                <a:latin typeface="Courier New" panose="02070309020205020404" pitchFamily="49" charset="0"/>
+              </a:rPr>
+              <a:t>(7) /*Ingest Flight Data</a:t>
+            </a:r>
+          </a:p>
+          <a:p>
+            <a:r>
+              <a:rPr lang="en-US" sz="1000" b="1" dirty="0">
+                <a:latin typeface="Courier New" panose="02070309020205020404" pitchFamily="49" charset="0"/>
+              </a:rPr>
+              <a:t>Using temporary table to load .csv file*/</a:t>
+            </a:r>
+          </a:p>
+          <a:p>
+            <a:r>
+              <a:rPr lang="en-US" sz="1000" b="1" dirty="0">
+                <a:latin typeface="Courier New" panose="02070309020205020404" pitchFamily="49" charset="0"/>
+              </a:rPr>
+              <a:t>(8) /*Create temporary table*/</a:t>
+            </a:r>
+          </a:p>
+          <a:p>
+            <a:r>
+              <a:rPr lang="en-US" sz="1000" b="1" dirty="0">
+                <a:latin typeface="Courier New" panose="02070309020205020404" pitchFamily="49" charset="0"/>
+              </a:rPr>
+              <a:t>(9) /*Load data from temporary table*/</a:t>
+            </a:r>
+          </a:p>
+          <a:p>
+            <a:r>
+              <a:rPr lang="en-US" sz="1000" b="1" dirty="0">
+                <a:latin typeface="Courier New" panose="02070309020205020404" pitchFamily="49" charset="0"/>
+              </a:rPr>
+              <a:t>(10)/*ingest data from temporary table into Flight  table*/</a:t>
+            </a:r>
+          </a:p>
+          <a:p>
+            <a:r>
+              <a:rPr lang="en-US" sz="1000" b="1" dirty="0">
+                <a:latin typeface="Courier New" panose="02070309020205020404" pitchFamily="49" charset="0"/>
+              </a:rPr>
+              <a:t>(11)/*Not importing tuples where FK Values are missing (caused an error before)*/</a:t>
+            </a:r>
+          </a:p>
+          <a:p>
+            <a:r>
+              <a:rPr lang="de-DE" sz="1000" b="1" dirty="0">
+                <a:latin typeface="Courier New" panose="02070309020205020404" pitchFamily="49" charset="0"/>
+              </a:rPr>
+              <a:t>(12)/*Delete </a:t>
+            </a:r>
+            <a:r>
+              <a:rPr lang="de-DE" sz="1000" b="1" dirty="0" err="1">
+                <a:latin typeface="Courier New" panose="02070309020205020404" pitchFamily="49" charset="0"/>
+              </a:rPr>
+              <a:t>temporary</a:t>
+            </a:r>
+            <a:r>
+              <a:rPr lang="de-DE" sz="1000" b="1" dirty="0">
+                <a:latin typeface="Courier New" panose="02070309020205020404" pitchFamily="49" charset="0"/>
+              </a:rPr>
+              <a:t> </a:t>
+            </a:r>
+            <a:r>
+              <a:rPr lang="de-DE" sz="1000" b="1" dirty="0" err="1">
+                <a:latin typeface="Courier New" panose="02070309020205020404" pitchFamily="49" charset="0"/>
+              </a:rPr>
+              <a:t>tables</a:t>
+            </a:r>
+            <a:r>
+              <a:rPr lang="de-DE" sz="1000" b="1" dirty="0">
+                <a:latin typeface="Courier New" panose="02070309020205020404" pitchFamily="49" charset="0"/>
+              </a:rPr>
+              <a:t>*/</a:t>
+            </a:r>
+            <a:endParaRPr lang="de-DE" sz="1000" b="1" dirty="0">
+              <a:latin typeface="Courier New" panose="02070309020205020404" pitchFamily="49" charset="0"/>
+              <a:hlinkClick r:id="rId2">
+                <a:extLst>
+                  <a:ext uri="{A12FA001-AC4F-418D-AE19-62706E023703}">
+                    <ahyp:hlinkClr xmlns:ahyp="http://schemas.microsoft.com/office/drawing/2018/hyperlinkcolor" val="tx"/>
+                  </a:ext>
+                </a:extLst>
+              </a:hlinkClick>
+            </a:endParaRPr>
+          </a:p>
+          <a:p>
+            <a:endParaRPr lang="de-DE" dirty="0">
+              <a:solidFill>
+                <a:srgbClr val="0563C1"/>
+              </a:solidFill>
+              <a:hlinkClick r:id="rId2">
+                <a:extLst>
+                  <a:ext uri="{A12FA001-AC4F-418D-AE19-62706E023703}">
+                    <ahyp:hlinkClr xmlns:ahyp="http://schemas.microsoft.com/office/drawing/2018/hyperlinkcolor" val="tx"/>
+                  </a:ext>
+                </a:extLst>
+              </a:hlinkClick>
+            </a:endParaRPr>
+          </a:p>
+          <a:p>
+            <a:endParaRPr lang="de-DE" dirty="0">
+              <a:solidFill>
+                <a:srgbClr val="0563C1"/>
+              </a:solidFill>
+              <a:hlinkClick r:id="rId2">
+                <a:extLst>
+                  <a:ext uri="{A12FA001-AC4F-418D-AE19-62706E023703}">
+                    <ahyp:hlinkClr xmlns:ahyp="http://schemas.microsoft.com/office/drawing/2018/hyperlinkcolor" val="tx"/>
+                  </a:ext>
+                </a:extLst>
+              </a:hlinkClick>
+            </a:endParaRPr>
+          </a:p>
+          <a:p>
+            <a:endParaRPr lang="de-DE" dirty="0">
+              <a:solidFill>
+                <a:srgbClr val="0563C1"/>
+              </a:solidFill>
+              <a:hlinkClick r:id="rId2">
+                <a:extLst>
+                  <a:ext uri="{A12FA001-AC4F-418D-AE19-62706E023703}">
+                    <ahyp:hlinkClr xmlns:ahyp="http://schemas.microsoft.com/office/drawing/2018/hyperlinkcolor" val="tx"/>
+                  </a:ext>
+                </a:extLst>
+              </a:hlinkClick>
+            </a:endParaRPr>
+          </a:p>
+          <a:p>
+            <a:endParaRPr lang="de-DE" dirty="0">
+              <a:solidFill>
+                <a:srgbClr val="0563C1"/>
+              </a:solidFill>
+              <a:hlinkClick r:id="rId2">
+                <a:extLst>
+                  <a:ext uri="{A12FA001-AC4F-418D-AE19-62706E023703}">
+                    <ahyp:hlinkClr xmlns:ahyp="http://schemas.microsoft.com/office/drawing/2018/hyperlinkcolor" val="tx"/>
+                  </a:ext>
+                </a:extLst>
+              </a:hlinkClick>
+            </a:endParaRPr>
+          </a:p>
+          <a:p>
+            <a:endParaRPr lang="de-DE" dirty="0"/>
+          </a:p>
+        </p:txBody>
+      </p:sp>
       <p:pic>
         <p:nvPicPr>
-          <p:cNvPr id="13" name="Grafik 12">
-            <a:extLst>
-              <a:ext uri="{FF2B5EF4-FFF2-40B4-BE49-F238E27FC236}">
-                <a16:creationId xmlns:a16="http://schemas.microsoft.com/office/drawing/2014/main" id="{331A5F51-24EA-D89B-9F22-005CF931BD98}"/>
+          <p:cNvPr id="11" name="Grafik 10" descr="Ein Bild, das Text, Screenshot, Schrift, Kreis enthält.&#10;&#10;Automatisch generierte Beschreibung">
+            <a:extLst>
+              <a:ext uri="{FF2B5EF4-FFF2-40B4-BE49-F238E27FC236}">
+                <a16:creationId xmlns:a16="http://schemas.microsoft.com/office/drawing/2014/main" id="{319E7541-4C08-0442-26F3-7548A03B5DCF}"/>
               </a:ext>
             </a:extLst>
           </p:cNvPr>
@@ -3707,13 +4031,10 @@
           <p:nvPr/>
         </p:nvPicPr>
         <p:blipFill>
-          <a:blip r:embed="rId2">
+          <a:blip r:embed="rId3">
             <a:extLst>
               <a:ext uri="{28A0092B-C50C-407E-A947-70E740481C1C}">
                 <a14:useLocalDpi xmlns:a14="http://schemas.microsoft.com/office/drawing/2010/main" val="0"/>
-              </a:ext>
-              <a:ext uri="{96DAC541-7B7A-43D3-8B79-37D633B846F1}">
-                <asvg:svgBlip xmlns:asvg="http://schemas.microsoft.com/office/drawing/2016/SVG/main" r:embed="rId3"/>
               </a:ext>
             </a:extLst>
           </a:blip>
@@ -3723,355 +4044,14 @@
         </p:blipFill>
         <p:spPr>
           <a:xfrm>
-            <a:off x="1164436" y="2022764"/>
-            <a:ext cx="2858448" cy="3955039"/>
+            <a:off x="965658" y="1895787"/>
+            <a:ext cx="3421616" cy="4034182"/>
           </a:xfrm>
           <a:prstGeom prst="rect">
             <a:avLst/>
           </a:prstGeom>
         </p:spPr>
       </p:pic>
-      <p:sp>
-        <p:nvSpPr>
-          <p:cNvPr id="3" name="Textfeld 2">
-            <a:extLst>
-              <a:ext uri="{FF2B5EF4-FFF2-40B4-BE49-F238E27FC236}">
-                <a16:creationId xmlns:a16="http://schemas.microsoft.com/office/drawing/2014/main" id="{6DE48946-A728-019C-6BAF-38E72E890873}"/>
-              </a:ext>
-            </a:extLst>
-          </p:cNvPr>
-          <p:cNvSpPr txBox="1"/>
-          <p:nvPr/>
-        </p:nvSpPr>
-        <p:spPr>
-          <a:xfrm>
-            <a:off x="5324317" y="1929936"/>
-            <a:ext cx="6194584" cy="6055504"/>
-          </a:xfrm>
-          <a:prstGeom prst="rect">
-            <a:avLst/>
-          </a:prstGeom>
-          <a:noFill/>
-        </p:spPr>
-        <p:txBody>
-          <a:bodyPr wrap="square" rtlCol="0">
-            <a:spAutoFit/>
-          </a:bodyPr>
-          <a:lstStyle/>
-          <a:p>
-            <a:r>
-              <a:rPr lang="en-US" sz="1000" b="1" dirty="0">
-                <a:latin typeface="Courier New" panose="02070309020205020404" pitchFamily="49" charset="0"/>
-              </a:rPr>
-              <a:t>/*Downloaded Datasets*/</a:t>
-            </a:r>
-          </a:p>
-          <a:p>
-            <a:r>
-              <a:rPr lang="en-US" sz="1000" b="1" dirty="0">
-                <a:latin typeface="Courier New" panose="02070309020205020404" pitchFamily="49" charset="0"/>
-              </a:rPr>
-              <a:t>/*Create Entities*/</a:t>
-            </a:r>
-          </a:p>
-          <a:p>
-            <a:r>
-              <a:rPr lang="de-DE" sz="1050" dirty="0">
-                <a:latin typeface="Courier New" panose="02070309020205020404" pitchFamily="49" charset="0"/>
-              </a:rPr>
-              <a:t>CREATE TABLE Airport(</a:t>
-            </a:r>
-          </a:p>
-          <a:p>
-            <a:r>
-              <a:rPr lang="de-DE" sz="1050" dirty="0">
-                <a:latin typeface="Courier New" panose="02070309020205020404" pitchFamily="49" charset="0"/>
-              </a:rPr>
-              <a:t>	IATA_CODE VARCHAR(8) PRIMARY KEY,</a:t>
-            </a:r>
-          </a:p>
-          <a:p>
-            <a:r>
-              <a:rPr lang="de-DE" sz="1050" dirty="0">
-                <a:latin typeface="Courier New" panose="02070309020205020404" pitchFamily="49" charset="0"/>
-              </a:rPr>
-              <a:t>	LONGITUDE FLOAT, </a:t>
-            </a:r>
-          </a:p>
-          <a:p>
-            <a:r>
-              <a:rPr lang="de-DE" sz="1050" dirty="0">
-                <a:latin typeface="Courier New" panose="02070309020205020404" pitchFamily="49" charset="0"/>
-              </a:rPr>
-              <a:t>	LATITUDE FLOAT</a:t>
-            </a:r>
-          </a:p>
-          <a:p>
-            <a:r>
-              <a:rPr lang="de-DE" sz="1050" dirty="0">
-                <a:latin typeface="Courier New" panose="02070309020205020404" pitchFamily="49" charset="0"/>
-              </a:rPr>
-              <a:t>);</a:t>
-            </a:r>
-          </a:p>
-          <a:p>
-            <a:r>
-              <a:rPr lang="de-DE" sz="1050" dirty="0">
-                <a:latin typeface="Courier New" panose="02070309020205020404" pitchFamily="49" charset="0"/>
-              </a:rPr>
-              <a:t>CREATE TABLE Flight(</a:t>
-            </a:r>
-          </a:p>
-          <a:p>
-            <a:r>
-              <a:rPr lang="de-DE" sz="1050" dirty="0">
-                <a:latin typeface="Courier New" panose="02070309020205020404" pitchFamily="49" charset="0"/>
-              </a:rPr>
-              <a:t>	ID SERIAL PRIMARY KEY,</a:t>
-            </a:r>
-          </a:p>
-          <a:p>
-            <a:r>
-              <a:rPr lang="de-DE" sz="1050" dirty="0">
-                <a:latin typeface="Courier New" panose="02070309020205020404" pitchFamily="49" charset="0"/>
-              </a:rPr>
-              <a:t>	DEPARTURE_DELAY FLOAT,</a:t>
-            </a:r>
-          </a:p>
-          <a:p>
-            <a:r>
-              <a:rPr lang="de-DE" sz="1050" dirty="0">
-                <a:latin typeface="Courier New" panose="02070309020205020404" pitchFamily="49" charset="0"/>
-              </a:rPr>
-              <a:t>	ARRIVAL_DELAY FLOAT,</a:t>
-            </a:r>
-          </a:p>
-          <a:p>
-            <a:r>
-              <a:rPr lang="de-DE" sz="1050" dirty="0">
-                <a:latin typeface="Courier New" panose="02070309020205020404" pitchFamily="49" charset="0"/>
-              </a:rPr>
-              <a:t>	ORIGIN_AIRPORT VARCHAR(8),</a:t>
-            </a:r>
-          </a:p>
-          <a:p>
-            <a:r>
-              <a:rPr lang="de-DE" sz="1050" dirty="0">
-                <a:latin typeface="Courier New" panose="02070309020205020404" pitchFamily="49" charset="0"/>
-              </a:rPr>
-              <a:t>	DESTINATION_AIRPORT VARCHAR(8),</a:t>
-            </a:r>
-          </a:p>
-          <a:p>
-            <a:r>
-              <a:rPr lang="en-US" sz="1050" dirty="0">
-                <a:latin typeface="Courier New" panose="02070309020205020404" pitchFamily="49" charset="0"/>
-              </a:rPr>
-              <a:t>	FOREIGN KEY (ORIGIN_AIRPORT) REFERENCES Airport(IATA_CODE) ON 	DELETE CASCADE,</a:t>
-            </a:r>
-          </a:p>
-          <a:p>
-            <a:r>
-              <a:rPr lang="en-US" sz="1050" dirty="0">
-                <a:latin typeface="Courier New" panose="02070309020205020404" pitchFamily="49" charset="0"/>
-              </a:rPr>
-              <a:t>	FOREIGN KEY (DESTINATION_AIRPORT) REFERENCES Airport(IATA_CODE) 	ON DELETE CASCADE);</a:t>
-            </a:r>
-            <a:endParaRPr lang="en-US" sz="900" dirty="0">
-              <a:latin typeface="Courier New" panose="02070309020205020404" pitchFamily="49" charset="0"/>
-            </a:endParaRPr>
-          </a:p>
-          <a:p>
-            <a:r>
-              <a:rPr lang="en-US" sz="1000" b="1" dirty="0">
-                <a:latin typeface="Courier New" panose="02070309020205020404" pitchFamily="49" charset="0"/>
-              </a:rPr>
-              <a:t>/*Ingest Airport Data</a:t>
-            </a:r>
-          </a:p>
-          <a:p>
-            <a:r>
-              <a:rPr lang="en-US" sz="1000" b="1" dirty="0">
-                <a:latin typeface="Courier New" panose="02070309020205020404" pitchFamily="49" charset="0"/>
-              </a:rPr>
-              <a:t>Using temporary table to load .csv file*/</a:t>
-            </a:r>
-          </a:p>
-          <a:p>
-            <a:r>
-              <a:rPr lang="en-US" sz="1000" b="1" dirty="0">
-                <a:latin typeface="Courier New" panose="02070309020205020404" pitchFamily="49" charset="0"/>
-              </a:rPr>
-              <a:t>/*Create temporary table*/</a:t>
-            </a:r>
-          </a:p>
-          <a:p>
-            <a:r>
-              <a:rPr lang="en-US" sz="1000" b="1" dirty="0">
-                <a:latin typeface="Courier New" panose="02070309020205020404" pitchFamily="49" charset="0"/>
-              </a:rPr>
-              <a:t>/*Load .csv file in Temporary Table*/</a:t>
-            </a:r>
-          </a:p>
-          <a:p>
-            <a:r>
-              <a:rPr lang="en-US" sz="1000" b="1" dirty="0">
-                <a:latin typeface="Courier New" panose="02070309020205020404" pitchFamily="49" charset="0"/>
-              </a:rPr>
-              <a:t>/*ingest data from temporary table into Airport table*/</a:t>
-            </a:r>
-          </a:p>
-          <a:p>
-            <a:r>
-              <a:rPr lang="en-US" sz="1000" b="1" dirty="0">
-                <a:latin typeface="Courier New" panose="02070309020205020404" pitchFamily="49" charset="0"/>
-              </a:rPr>
-              <a:t>/*Ingest Flight Data</a:t>
-            </a:r>
-          </a:p>
-          <a:p>
-            <a:r>
-              <a:rPr lang="en-US" sz="1000" b="1" dirty="0">
-                <a:latin typeface="Courier New" panose="02070309020205020404" pitchFamily="49" charset="0"/>
-              </a:rPr>
-              <a:t>Using temporary table to load .csv file*/</a:t>
-            </a:r>
-          </a:p>
-          <a:p>
-            <a:r>
-              <a:rPr lang="en-US" sz="1000" b="1" dirty="0">
-                <a:latin typeface="Courier New" panose="02070309020205020404" pitchFamily="49" charset="0"/>
-              </a:rPr>
-              <a:t>/*Create temporary table*/</a:t>
-            </a:r>
-          </a:p>
-          <a:p>
-            <a:r>
-              <a:rPr lang="en-US" sz="1000" b="1" dirty="0">
-                <a:latin typeface="Courier New" panose="02070309020205020404" pitchFamily="49" charset="0"/>
-              </a:rPr>
-              <a:t>/*Load data from temporary table*/</a:t>
-            </a:r>
-          </a:p>
-          <a:p>
-            <a:r>
-              <a:rPr lang="en-US" sz="1000" b="1" dirty="0">
-                <a:latin typeface="Courier New" panose="02070309020205020404" pitchFamily="49" charset="0"/>
-              </a:rPr>
-              <a:t>/*ingest data from temporary table into Flight  table*/</a:t>
-            </a:r>
-          </a:p>
-          <a:p>
-            <a:r>
-              <a:rPr lang="en-US" sz="1000" b="1" dirty="0">
-                <a:latin typeface="Courier New" panose="02070309020205020404" pitchFamily="49" charset="0"/>
-              </a:rPr>
-              <a:t>/*Not importing tuples where FK Values are missing (caused an error before)*/</a:t>
-            </a:r>
-          </a:p>
-          <a:p>
-            <a:r>
-              <a:rPr lang="de-DE" sz="1000" b="1" dirty="0">
-                <a:latin typeface="Courier New" panose="02070309020205020404" pitchFamily="49" charset="0"/>
-              </a:rPr>
-              <a:t>/*Delete </a:t>
-            </a:r>
-            <a:r>
-              <a:rPr lang="de-DE" sz="1000" b="1" dirty="0" err="1">
-                <a:latin typeface="Courier New" panose="02070309020205020404" pitchFamily="49" charset="0"/>
-              </a:rPr>
-              <a:t>temporary</a:t>
-            </a:r>
-            <a:r>
-              <a:rPr lang="de-DE" sz="1000" b="1" dirty="0">
-                <a:latin typeface="Courier New" panose="02070309020205020404" pitchFamily="49" charset="0"/>
-              </a:rPr>
-              <a:t> </a:t>
-            </a:r>
-            <a:r>
-              <a:rPr lang="de-DE" sz="1000" b="1" dirty="0" err="1">
-                <a:latin typeface="Courier New" panose="02070309020205020404" pitchFamily="49" charset="0"/>
-              </a:rPr>
-              <a:t>tables</a:t>
-            </a:r>
-            <a:r>
-              <a:rPr lang="de-DE" sz="1000" b="1" dirty="0">
-                <a:latin typeface="Courier New" panose="02070309020205020404" pitchFamily="49" charset="0"/>
-              </a:rPr>
-              <a:t>*/</a:t>
-            </a:r>
-            <a:endParaRPr lang="de-DE" sz="1000" b="1" dirty="0">
-              <a:latin typeface="Courier New" panose="02070309020205020404" pitchFamily="49" charset="0"/>
-              <a:hlinkClick r:id="rId4">
-                <a:extLst>
-                  <a:ext uri="{A12FA001-AC4F-418D-AE19-62706E023703}">
-                    <ahyp:hlinkClr xmlns:ahyp="http://schemas.microsoft.com/office/drawing/2018/hyperlinkcolor" val="tx"/>
-                  </a:ext>
-                </a:extLst>
-              </a:hlinkClick>
-            </a:endParaRPr>
-          </a:p>
-          <a:p>
-            <a:endParaRPr lang="de-DE" dirty="0">
-              <a:solidFill>
-                <a:srgbClr val="0563C1"/>
-              </a:solidFill>
-              <a:hlinkClick r:id="rId4">
-                <a:extLst>
-                  <a:ext uri="{A12FA001-AC4F-418D-AE19-62706E023703}">
-                    <ahyp:hlinkClr xmlns:ahyp="http://schemas.microsoft.com/office/drawing/2018/hyperlinkcolor" val="tx"/>
-                  </a:ext>
-                </a:extLst>
-              </a:hlinkClick>
-            </a:endParaRPr>
-          </a:p>
-          <a:p>
-            <a:endParaRPr lang="de-DE" dirty="0">
-              <a:solidFill>
-                <a:srgbClr val="0563C1"/>
-              </a:solidFill>
-              <a:hlinkClick r:id="rId4">
-                <a:extLst>
-                  <a:ext uri="{A12FA001-AC4F-418D-AE19-62706E023703}">
-                    <ahyp:hlinkClr xmlns:ahyp="http://schemas.microsoft.com/office/drawing/2018/hyperlinkcolor" val="tx"/>
-                  </a:ext>
-                </a:extLst>
-              </a:hlinkClick>
-            </a:endParaRPr>
-          </a:p>
-          <a:p>
-            <a:endParaRPr lang="de-DE" dirty="0">
-              <a:solidFill>
-                <a:srgbClr val="0563C1"/>
-              </a:solidFill>
-              <a:hlinkClick r:id="rId4">
-                <a:extLst>
-                  <a:ext uri="{A12FA001-AC4F-418D-AE19-62706E023703}">
-                    <ahyp:hlinkClr xmlns:ahyp="http://schemas.microsoft.com/office/drawing/2018/hyperlinkcolor" val="tx"/>
-                  </a:ext>
-                </a:extLst>
-              </a:hlinkClick>
-            </a:endParaRPr>
-          </a:p>
-          <a:p>
-            <a:endParaRPr lang="de-DE" dirty="0">
-              <a:solidFill>
-                <a:srgbClr val="0563C1"/>
-              </a:solidFill>
-              <a:hlinkClick r:id="rId4">
-                <a:extLst>
-                  <a:ext uri="{A12FA001-AC4F-418D-AE19-62706E023703}">
-                    <ahyp:hlinkClr xmlns:ahyp="http://schemas.microsoft.com/office/drawing/2018/hyperlinkcolor" val="tx"/>
-                  </a:ext>
-                </a:extLst>
-              </a:hlinkClick>
-            </a:endParaRPr>
-          </a:p>
-          <a:p>
-            <a:endParaRPr lang="de-DE" dirty="0"/>
-          </a:p>
-        </p:txBody>
-      </p:sp>
     </p:spTree>
     <p:extLst>
       <p:ext uri="{BB962C8B-B14F-4D97-AF65-F5344CB8AC3E}">
@@ -4268,7 +4248,7 @@
                 <a:effectLst/>
                 <a:latin typeface="Calibri" panose="020F0502020204030204" pitchFamily="34" charset="0"/>
               </a:rPr>
-              <a:t>To get an accurate picture of whether latitude is correlated with flight delay, we calculated the average delay in blocks of 5 degrees latitude. </a:t>
+              <a:t>To get an accurate picture of whether latitude is correlated with flight delay, we will calculate the average delay in blocks of 5 degrees latitude. </a:t>
             </a:r>
           </a:p>
           <a:p>
@@ -4387,12 +4367,12 @@
         <p:spPr>
           <a:xfrm>
             <a:off x="838200" y="1825625"/>
-            <a:ext cx="4762500" cy="4351338"/>
+            <a:ext cx="5257800" cy="4351338"/>
           </a:xfrm>
         </p:spPr>
         <p:txBody>
           <a:bodyPr>
-            <a:normAutofit fontScale="70000" lnSpcReduction="20000"/>
+            <a:normAutofit lnSpcReduction="10000"/>
           </a:bodyPr>
           <a:lstStyle/>
           <a:p>
@@ -4400,31 +4380,97 @@
               <a:buNone/>
             </a:pPr>
             <a:r>
-              <a:rPr lang="en-US" dirty="0"/>
-              <a:t>Using a mix of JDBC Prepared Statements (Statement 1,2) and JDBC Callable Statements (Statement 3) we processed the data using pandas, matplotlib and seaborn libraries. After executing the first Statement,  we plot all arrival delays vs. the latitudes of the Origin Airport. We cannot see any correlation (</a:t>
-            </a:r>
-            <a:r>
-              <a:rPr lang="en-US" dirty="0" err="1"/>
+              <a:rPr lang="en-US" sz="1600" dirty="0">
+                <a:latin typeface="Calibri" panose="020F0502020204030204" pitchFamily="34" charset="0"/>
+              </a:rPr>
+              <a:t>Using a mix of JDBC Prepared Statements (Statement 1,2) and JDBC Callable Statements (Statement 3) we processed the data using pandas, matplotlib and seaborn libraries. </a:t>
+            </a:r>
+          </a:p>
+          <a:p>
+            <a:pPr marL="0" indent="0">
+              <a:buNone/>
+            </a:pPr>
+            <a:r>
+              <a:rPr lang="en-US" sz="1600" dirty="0">
+                <a:latin typeface="Calibri" panose="020F0502020204030204" pitchFamily="34" charset="0"/>
+              </a:rPr>
+              <a:t>After executing the first Statement,  we plot all arrival delays vs. the latitudes of the Origin Airport. We cannot see any correlation (</a:t>
+            </a:r>
+            <a:r>
+              <a:rPr lang="en-US" sz="1600" dirty="0" err="1">
+                <a:latin typeface="Calibri" panose="020F0502020204030204" pitchFamily="34" charset="0"/>
+              </a:rPr>
               <a:t>corr</a:t>
             </a:r>
             <a:r>
-              <a:rPr lang="en-US" dirty="0"/>
+              <a:rPr lang="en-US" sz="1600" dirty="0">
+                <a:latin typeface="Calibri" panose="020F0502020204030204" pitchFamily="34" charset="0"/>
+              </a:rPr>
               <a:t> = 0.00). </a:t>
             </a:r>
+          </a:p>
+          <a:p>
+            <a:pPr marL="0" indent="0">
+              <a:buNone/>
+            </a:pPr>
             <a:br>
-              <a:rPr lang="en-US" dirty="0"/>
+              <a:rPr lang="en-US" sz="1600" dirty="0">
+                <a:latin typeface="Calibri" panose="020F0502020204030204" pitchFamily="34" charset="0"/>
+              </a:rPr>
             </a:br>
             <a:r>
-              <a:rPr lang="en-US" dirty="0"/>
-              <a:t>We then call Statement 3 by passing a list of parameters for the „%s“ placeholder. These parameters group airports by latitude and calculate a average. Again, we cannot see any correlation (</a:t>
-            </a:r>
-            <a:r>
-              <a:rPr lang="en-US" dirty="0" err="1"/>
+              <a:rPr lang="en-US" sz="1600" dirty="0">
+                <a:latin typeface="Calibri" panose="020F0502020204030204" pitchFamily="34" charset="0"/>
+              </a:rPr>
+              <a:t>We then call Statement 3 by passing a list of parameters for the „%s“ placeholder. These parameters group airports by latitude and calculate an average. Again, we cannot see any correlation (</a:t>
+            </a:r>
+            <a:r>
+              <a:rPr lang="en-US" sz="1600" dirty="0" err="1">
+                <a:latin typeface="Calibri" panose="020F0502020204030204" pitchFamily="34" charset="0"/>
+              </a:rPr>
               <a:t>corr</a:t>
             </a:r>
             <a:r>
-              <a:rPr lang="en-US" dirty="0"/>
-              <a:t> = -0.06). We fail to reject the H0: there is no relationship between the latitude of the airport and the departure delay. Further investigation could focus on the relative number of flights that have a delay, coming from the North or control for the winter months only. </a:t>
+              <a:rPr lang="en-US" sz="1600" dirty="0">
+                <a:latin typeface="Calibri" panose="020F0502020204030204" pitchFamily="34" charset="0"/>
+              </a:rPr>
+              <a:t> = -0.06). </a:t>
+            </a:r>
+          </a:p>
+          <a:p>
+            <a:pPr marL="0" indent="0">
+              <a:buNone/>
+            </a:pPr>
+            <a:r>
+              <a:rPr lang="en-US" sz="1600" b="1" dirty="0">
+                <a:latin typeface="Calibri" panose="020F0502020204030204" pitchFamily="34" charset="0"/>
+              </a:rPr>
+              <a:t>We fail to reject the H0</a:t>
+            </a:r>
+            <a:r>
+              <a:rPr lang="en-US" sz="1600" dirty="0">
+                <a:latin typeface="Calibri" panose="020F0502020204030204" pitchFamily="34" charset="0"/>
+              </a:rPr>
+              <a:t>: there is no relationship between the latitude of the airport and the departure delay. </a:t>
+            </a:r>
+            <a:br>
+              <a:rPr lang="en-US" sz="1600" dirty="0">
+                <a:latin typeface="Calibri" panose="020F0502020204030204" pitchFamily="34" charset="0"/>
+              </a:rPr>
+            </a:br>
+            <a:endParaRPr lang="en-US" sz="1600" dirty="0">
+              <a:latin typeface="Calibri" panose="020F0502020204030204" pitchFamily="34" charset="0"/>
+            </a:endParaRPr>
+          </a:p>
+          <a:p>
+            <a:pPr marL="0" indent="0">
+              <a:buNone/>
+            </a:pPr>
+            <a:r>
+              <a:rPr lang="en-US" sz="1600" dirty="0">
+                <a:latin typeface="Calibri" panose="020F0502020204030204" pitchFamily="34" charset="0"/>
+              </a:rPr>
+              <a:t>Further investigation could focus on a) the relative number of flights coming from the North that have a general delay, b) control for the winter months only or c) test whether airplanes going to the North are delayed more</a:t>
             </a:r>
           </a:p>
         </p:txBody>
@@ -4451,7 +4497,7 @@
         </p:blipFill>
         <p:spPr>
           <a:xfrm>
-            <a:off x="6477192" y="669132"/>
+            <a:off x="6554104" y="934052"/>
             <a:ext cx="4709500" cy="3001962"/>
           </a:xfrm>
           <a:prstGeom prst="rect">
@@ -4481,7 +4527,7 @@
         </p:blipFill>
         <p:spPr>
           <a:xfrm>
-            <a:off x="6096000" y="3758406"/>
+            <a:off x="6172912" y="4062413"/>
             <a:ext cx="5471884" cy="2430462"/>
           </a:xfrm>
           <a:prstGeom prst="rect">
@@ -4541,12 +4587,10 @@
           <a:lstStyle/>
           <a:p>
             <a:r>
-              <a:rPr lang="de-DE" sz="1800" b="0" i="0" u="none" strike="noStrike" baseline="0" dirty="0" err="1">
-                <a:latin typeface="CMR10"/>
-              </a:rPr>
-              <a:t>reproducibility</a:t>
-            </a:r>
-            <a:endParaRPr lang="de-DE" dirty="0"/>
+              <a:rPr lang="de-DE" b="1" dirty="0" err="1"/>
+              <a:t>Reproducibility</a:t>
+            </a:r>
+            <a:endParaRPr lang="de-DE" b="1" dirty="0"/>
           </a:p>
         </p:txBody>
       </p:sp>
@@ -4571,10 +4615,34 @@
           <a:bodyPr/>
           <a:lstStyle/>
           <a:p>
-            <a:r>
-              <a:rPr lang="de-DE" dirty="0"/>
-              <a:t>https://github.com/Rennacker54/Databases_Group-U/</a:t>
-            </a:r>
+            <a:pPr marL="0" indent="0">
+              <a:buNone/>
+            </a:pPr>
+            <a:r>
+              <a:rPr lang="de-DE" sz="1800" dirty="0">
+                <a:hlinkClick r:id="rId2"/>
+              </a:rPr>
+              <a:t>This </a:t>
+            </a:r>
+            <a:r>
+              <a:rPr lang="de-DE" sz="1800" dirty="0" err="1">
+                <a:hlinkClick r:id="rId2"/>
+              </a:rPr>
+              <a:t>project</a:t>
+            </a:r>
+            <a:r>
+              <a:rPr lang="de-DE" sz="1800" dirty="0">
+                <a:hlinkClick r:id="rId2"/>
+              </a:rPr>
+              <a:t> on </a:t>
+            </a:r>
+            <a:r>
+              <a:rPr lang="de-DE" sz="1800" dirty="0" err="1">
+                <a:hlinkClick r:id="rId2"/>
+              </a:rPr>
+              <a:t>Github</a:t>
+            </a:r>
+            <a:endParaRPr lang="de-DE" sz="1800" dirty="0"/>
           </a:p>
           <a:p>
             <a:endParaRPr lang="de-DE" dirty="0"/>
@@ -4585,891 +4653,6 @@
     <p:extLst>
       <p:ext uri="{BB962C8B-B14F-4D97-AF65-F5344CB8AC3E}">
         <p14:creationId xmlns:p14="http://schemas.microsoft.com/office/powerpoint/2010/main" val="98680212"/>
-      </p:ext>
-    </p:extLst>
-  </p:cSld>
-  <p:clrMapOvr>
-    <a:masterClrMapping/>
-  </p:clrMapOvr>
-</p:sld>
-</file>
-
-<file path=ppt/slides/slide7.xml><?xml version="1.0" encoding="utf-8"?>
-<p:sld xmlns:a="http://schemas.openxmlformats.org/drawingml/2006/main" xmlns:r="http://schemas.openxmlformats.org/officeDocument/2006/relationships" xmlns:p="http://schemas.openxmlformats.org/presentationml/2006/main">
-  <p:cSld>
-    <p:spTree>
-      <p:nvGrpSpPr>
-        <p:cNvPr id="1" name=""/>
-        <p:cNvGrpSpPr/>
-        <p:nvPr/>
-      </p:nvGrpSpPr>
-      <p:grpSpPr>
-        <a:xfrm>
-          <a:off x="0" y="0"/>
-          <a:ext cx="0" cy="0"/>
-          <a:chOff x="0" y="0"/>
-          <a:chExt cx="0" cy="0"/>
-        </a:xfrm>
-      </p:grpSpPr>
-      <p:sp>
-        <p:nvSpPr>
-          <p:cNvPr id="2" name="Titel 1">
-            <a:extLst>
-              <a:ext uri="{FF2B5EF4-FFF2-40B4-BE49-F238E27FC236}">
-                <a16:creationId xmlns:a16="http://schemas.microsoft.com/office/drawing/2014/main" id="{FE79ADD0-5BEF-5C31-10B6-7309C3033731}"/>
-              </a:ext>
-            </a:extLst>
-          </p:cNvPr>
-          <p:cNvSpPr>
-            <a:spLocks noGrp="1"/>
-          </p:cNvSpPr>
-          <p:nvPr>
-            <p:ph type="title"/>
-          </p:nvPr>
-        </p:nvSpPr>
-        <p:spPr/>
-        <p:txBody>
-          <a:bodyPr/>
-          <a:lstStyle/>
-          <a:p>
-            <a:r>
-              <a:rPr lang="de-DE" dirty="0" err="1"/>
-              <a:t>Remarks</a:t>
-            </a:r>
-            <a:r>
-              <a:rPr lang="de-DE" dirty="0"/>
-              <a:t>	</a:t>
-            </a:r>
-          </a:p>
-        </p:txBody>
-      </p:sp>
-      <p:sp>
-        <p:nvSpPr>
-          <p:cNvPr id="3" name="Inhaltsplatzhalter 2">
-            <a:extLst>
-              <a:ext uri="{FF2B5EF4-FFF2-40B4-BE49-F238E27FC236}">
-                <a16:creationId xmlns:a16="http://schemas.microsoft.com/office/drawing/2014/main" id="{F3595199-010C-BD60-B418-D9F053C69E8A}"/>
-              </a:ext>
-            </a:extLst>
-          </p:cNvPr>
-          <p:cNvSpPr>
-            <a:spLocks noGrp="1"/>
-          </p:cNvSpPr>
-          <p:nvPr>
-            <p:ph idx="1"/>
-          </p:nvPr>
-        </p:nvSpPr>
-        <p:spPr/>
-        <p:txBody>
-          <a:bodyPr>
-            <a:normAutofit fontScale="92500" lnSpcReduction="20000"/>
-          </a:bodyPr>
-          <a:lstStyle/>
-          <a:p>
-            <a:r>
-              <a:rPr lang="de-DE" dirty="0"/>
-              <a:t>(</a:t>
-            </a:r>
-            <a:r>
-              <a:rPr lang="de-DE" dirty="0" err="1"/>
-              <a:t>Obj</a:t>
-            </a:r>
-            <a:r>
-              <a:rPr lang="de-DE" dirty="0"/>
-              <a:t> 2) </a:t>
-            </a:r>
-            <a:r>
-              <a:rPr lang="de-DE" dirty="0" err="1"/>
-              <a:t>We</a:t>
-            </a:r>
-            <a:r>
-              <a:rPr lang="de-DE" dirty="0"/>
-              <a:t> </a:t>
-            </a:r>
-            <a:r>
-              <a:rPr lang="de-DE" dirty="0" err="1"/>
-              <a:t>should</a:t>
-            </a:r>
-            <a:r>
-              <a:rPr lang="de-DE" dirty="0"/>
-              <a:t>/</a:t>
-            </a:r>
-            <a:r>
-              <a:rPr lang="de-DE" dirty="0" err="1"/>
-              <a:t>colud</a:t>
-            </a:r>
-            <a:r>
-              <a:rPr lang="de-DE" dirty="0"/>
-              <a:t> update </a:t>
-            </a:r>
-            <a:r>
-              <a:rPr lang="de-DE" dirty="0" err="1"/>
-              <a:t>the</a:t>
-            </a:r>
-            <a:r>
-              <a:rPr lang="de-DE" dirty="0"/>
-              <a:t> ER </a:t>
-            </a:r>
-            <a:r>
-              <a:rPr lang="de-DE" dirty="0" err="1"/>
-              <a:t>model</a:t>
-            </a:r>
-            <a:r>
-              <a:rPr lang="de-DE" dirty="0"/>
-              <a:t> (</a:t>
-            </a:r>
-            <a:r>
-              <a:rPr lang="de-DE" dirty="0" err="1"/>
-              <a:t>we</a:t>
-            </a:r>
-            <a:r>
-              <a:rPr lang="de-DE" dirty="0"/>
-              <a:t> </a:t>
-            </a:r>
-            <a:r>
-              <a:rPr lang="de-DE" dirty="0" err="1"/>
-              <a:t>are</a:t>
-            </a:r>
-            <a:r>
-              <a:rPr lang="de-DE" dirty="0"/>
-              <a:t> not </a:t>
-            </a:r>
-            <a:r>
-              <a:rPr lang="de-DE" dirty="0" err="1"/>
-              <a:t>using</a:t>
-            </a:r>
-            <a:r>
-              <a:rPr lang="de-DE" dirty="0"/>
-              <a:t> </a:t>
-            </a:r>
-            <a:r>
-              <a:rPr lang="de-DE" dirty="0" err="1"/>
-              <a:t>Longitude</a:t>
-            </a:r>
-            <a:r>
-              <a:rPr lang="de-DE" dirty="0"/>
-              <a:t>, Arrival Delay, Target Airport also </a:t>
-            </a:r>
-            <a:r>
-              <a:rPr lang="de-DE" dirty="0" err="1"/>
-              <a:t>unneccessary</a:t>
-            </a:r>
-            <a:r>
-              <a:rPr lang="de-DE" dirty="0"/>
-              <a:t>)</a:t>
-            </a:r>
-          </a:p>
-          <a:p>
-            <a:pPr lvl="1"/>
-            <a:r>
-              <a:rPr lang="de-DE" dirty="0" err="1"/>
-              <a:t>We</a:t>
-            </a:r>
-            <a:r>
-              <a:rPr lang="de-DE" dirty="0"/>
-              <a:t> could also </a:t>
-            </a:r>
-            <a:r>
-              <a:rPr lang="de-DE" dirty="0" err="1"/>
-              <a:t>argue</a:t>
-            </a:r>
-            <a:r>
-              <a:rPr lang="de-DE" dirty="0"/>
-              <a:t> to </a:t>
-            </a:r>
-            <a:r>
-              <a:rPr lang="de-DE" dirty="0" err="1"/>
-              <a:t>keep</a:t>
-            </a:r>
-            <a:r>
-              <a:rPr lang="de-DE" dirty="0"/>
-              <a:t> them so in </a:t>
-            </a:r>
-            <a:r>
-              <a:rPr lang="de-DE" dirty="0" err="1"/>
-              <a:t>future</a:t>
-            </a:r>
-            <a:r>
-              <a:rPr lang="de-DE" dirty="0"/>
-              <a:t> </a:t>
-            </a:r>
-            <a:r>
-              <a:rPr lang="de-DE" dirty="0" err="1"/>
-              <a:t>we</a:t>
-            </a:r>
-            <a:r>
-              <a:rPr lang="de-DE" dirty="0"/>
-              <a:t> </a:t>
-            </a:r>
-            <a:r>
-              <a:rPr lang="de-DE" dirty="0" err="1"/>
-              <a:t>can</a:t>
-            </a:r>
-            <a:r>
-              <a:rPr lang="de-DE" dirty="0"/>
-              <a:t> </a:t>
-            </a:r>
-            <a:r>
-              <a:rPr lang="de-DE" dirty="0" err="1"/>
-              <a:t>control</a:t>
-            </a:r>
-            <a:r>
-              <a:rPr lang="de-DE" dirty="0"/>
-              <a:t> </a:t>
-            </a:r>
-            <a:r>
-              <a:rPr lang="de-DE" dirty="0" err="1"/>
-              <a:t>for</a:t>
-            </a:r>
-            <a:r>
-              <a:rPr lang="de-DE" dirty="0"/>
-              <a:t> </a:t>
-            </a:r>
-            <a:r>
-              <a:rPr lang="de-DE" dirty="0" err="1"/>
-              <a:t>more</a:t>
-            </a:r>
-            <a:r>
-              <a:rPr lang="de-DE" dirty="0"/>
-              <a:t> </a:t>
-            </a:r>
-            <a:r>
-              <a:rPr lang="de-DE" dirty="0" err="1"/>
-              <a:t>inflencial</a:t>
-            </a:r>
-            <a:r>
-              <a:rPr lang="de-DE" dirty="0"/>
-              <a:t> </a:t>
-            </a:r>
-            <a:r>
-              <a:rPr lang="de-DE" dirty="0" err="1"/>
-              <a:t>factors</a:t>
-            </a:r>
-            <a:r>
-              <a:rPr lang="de-DE" dirty="0"/>
-              <a:t> on </a:t>
-            </a:r>
-            <a:r>
-              <a:rPr lang="de-DE" dirty="0" err="1"/>
-              <a:t>delay</a:t>
-            </a:r>
-            <a:r>
-              <a:rPr lang="de-DE" dirty="0"/>
-              <a:t> (</a:t>
-            </a:r>
-            <a:r>
-              <a:rPr lang="de-DE" dirty="0" err="1"/>
-              <a:t>e.g.flight</a:t>
-            </a:r>
-            <a:r>
-              <a:rPr lang="de-DE" dirty="0"/>
-              <a:t> </a:t>
-            </a:r>
-            <a:r>
-              <a:rPr lang="de-DE" dirty="0" err="1"/>
-              <a:t>direction</a:t>
-            </a:r>
-            <a:r>
-              <a:rPr lang="de-DE" dirty="0"/>
-              <a:t>, </a:t>
-            </a:r>
-            <a:r>
-              <a:rPr lang="de-DE" dirty="0" err="1"/>
-              <a:t>specific</a:t>
-            </a:r>
-            <a:r>
-              <a:rPr lang="de-DE" dirty="0"/>
-              <a:t> </a:t>
-            </a:r>
-            <a:r>
-              <a:rPr lang="de-DE" dirty="0" err="1"/>
-              <a:t>airports</a:t>
-            </a:r>
-            <a:r>
-              <a:rPr lang="de-DE" dirty="0"/>
-              <a:t>, …)</a:t>
-            </a:r>
-          </a:p>
-          <a:p>
-            <a:r>
-              <a:rPr lang="de-DE" dirty="0"/>
-              <a:t>(</a:t>
-            </a:r>
-            <a:r>
-              <a:rPr lang="de-DE" dirty="0" err="1"/>
-              <a:t>Obj</a:t>
-            </a:r>
-            <a:r>
-              <a:rPr lang="de-DE" dirty="0"/>
-              <a:t> 3) I </a:t>
-            </a:r>
-            <a:r>
-              <a:rPr lang="de-DE" dirty="0" err="1"/>
-              <a:t>altered</a:t>
-            </a:r>
-            <a:r>
-              <a:rPr lang="de-DE" dirty="0"/>
-              <a:t> </a:t>
-            </a:r>
-            <a:r>
-              <a:rPr lang="de-DE" dirty="0" err="1"/>
-              <a:t>the</a:t>
-            </a:r>
-            <a:r>
-              <a:rPr lang="de-DE" dirty="0"/>
-              <a:t> </a:t>
-            </a:r>
-            <a:r>
-              <a:rPr lang="de-DE" dirty="0" err="1"/>
-              <a:t>Queries</a:t>
-            </a:r>
-            <a:r>
-              <a:rPr lang="de-DE" dirty="0"/>
-              <a:t> </a:t>
-            </a:r>
-            <a:r>
-              <a:rPr lang="de-DE" dirty="0" err="1"/>
-              <a:t>as</a:t>
-            </a:r>
-            <a:r>
-              <a:rPr lang="de-DE" dirty="0"/>
-              <a:t> in </a:t>
-            </a:r>
-            <a:r>
-              <a:rPr lang="de-DE" dirty="0" err="1"/>
-              <a:t>the</a:t>
-            </a:r>
-            <a:r>
-              <a:rPr lang="de-DE" dirty="0"/>
-              <a:t> </a:t>
-            </a:r>
-            <a:r>
-              <a:rPr lang="de-DE" dirty="0" err="1"/>
-              <a:t>screenshot</a:t>
-            </a:r>
-            <a:r>
-              <a:rPr lang="de-DE" dirty="0"/>
-              <a:t> – </a:t>
-            </a:r>
-            <a:br>
-              <a:rPr lang="de-DE" dirty="0"/>
-            </a:br>
-            <a:r>
-              <a:rPr lang="de-DE" dirty="0"/>
-              <a:t>(1) </a:t>
-            </a:r>
-            <a:r>
-              <a:rPr lang="de-DE" dirty="0" err="1"/>
-              <a:t>set</a:t>
-            </a:r>
-            <a:r>
-              <a:rPr lang="de-DE" dirty="0"/>
-              <a:t> negative </a:t>
-            </a:r>
-            <a:r>
-              <a:rPr lang="de-DE" dirty="0" err="1"/>
-              <a:t>delays</a:t>
-            </a:r>
-            <a:r>
-              <a:rPr lang="de-DE" dirty="0"/>
-              <a:t> == 0; (2) </a:t>
-            </a:r>
-            <a:r>
-              <a:rPr lang="de-DE" dirty="0" err="1"/>
-              <a:t>query</a:t>
-            </a:r>
-            <a:r>
-              <a:rPr lang="de-DE" dirty="0"/>
-              <a:t> all </a:t>
-            </a:r>
-            <a:r>
-              <a:rPr lang="de-DE" dirty="0" err="1"/>
-              <a:t>delays</a:t>
-            </a:r>
-            <a:r>
-              <a:rPr lang="de-DE" dirty="0"/>
-              <a:t> </a:t>
-            </a:r>
-            <a:r>
-              <a:rPr lang="de-DE" dirty="0" err="1"/>
-              <a:t>by</a:t>
-            </a:r>
-            <a:r>
-              <a:rPr lang="de-DE" dirty="0"/>
-              <a:t> </a:t>
-            </a:r>
-            <a:r>
-              <a:rPr lang="de-DE" dirty="0" err="1"/>
-              <a:t>latitude</a:t>
-            </a:r>
-            <a:r>
-              <a:rPr lang="de-DE" dirty="0"/>
-              <a:t> (</a:t>
-            </a:r>
-            <a:r>
-              <a:rPr lang="de-DE" dirty="0" err="1"/>
-              <a:t>used</a:t>
-            </a:r>
-            <a:r>
-              <a:rPr lang="de-DE" dirty="0"/>
-              <a:t> </a:t>
-            </a:r>
-            <a:r>
-              <a:rPr lang="de-DE" dirty="0" err="1"/>
-              <a:t>for</a:t>
-            </a:r>
-            <a:r>
-              <a:rPr lang="de-DE" dirty="0"/>
-              <a:t> </a:t>
-            </a:r>
-            <a:r>
-              <a:rPr lang="de-DE" dirty="0" err="1"/>
-              <a:t>scatterplot</a:t>
-            </a:r>
-            <a:r>
-              <a:rPr lang="de-DE" dirty="0"/>
-              <a:t>; (3) </a:t>
-            </a:r>
-            <a:r>
-              <a:rPr lang="de-DE" dirty="0" err="1"/>
-              <a:t>added</a:t>
-            </a:r>
-            <a:r>
-              <a:rPr lang="de-DE" dirty="0"/>
-              <a:t> %s </a:t>
-            </a:r>
-            <a:r>
-              <a:rPr lang="de-DE" dirty="0" err="1"/>
-              <a:t>parameter</a:t>
-            </a:r>
-            <a:r>
-              <a:rPr lang="de-DE" dirty="0"/>
-              <a:t> to </a:t>
-            </a:r>
-            <a:r>
-              <a:rPr lang="de-DE" dirty="0" err="1"/>
-              <a:t>call</a:t>
-            </a:r>
-            <a:r>
-              <a:rPr lang="de-DE" dirty="0"/>
-              <a:t> </a:t>
-            </a:r>
-            <a:r>
-              <a:rPr lang="de-DE" dirty="0" err="1"/>
-              <a:t>statement</a:t>
-            </a:r>
-            <a:r>
-              <a:rPr lang="de-DE" dirty="0"/>
-              <a:t> from </a:t>
-            </a:r>
-            <a:r>
-              <a:rPr lang="de-DE" dirty="0" err="1"/>
-              <a:t>python</a:t>
-            </a:r>
-            <a:r>
-              <a:rPr lang="de-DE" dirty="0"/>
-              <a:t> </a:t>
-            </a:r>
-            <a:r>
-              <a:rPr lang="de-DE" dirty="0" err="1"/>
-              <a:t>directly</a:t>
-            </a:r>
-            <a:r>
-              <a:rPr lang="de-DE" dirty="0"/>
-              <a:t> (</a:t>
-            </a:r>
-            <a:r>
-              <a:rPr lang="de-DE" dirty="0" err="1"/>
-              <a:t>better</a:t>
-            </a:r>
-            <a:r>
-              <a:rPr lang="de-DE" dirty="0"/>
-              <a:t> </a:t>
-            </a:r>
-            <a:r>
-              <a:rPr lang="de-DE" dirty="0" err="1"/>
-              <a:t>for</a:t>
-            </a:r>
-            <a:r>
-              <a:rPr lang="de-DE" dirty="0"/>
-              <a:t> </a:t>
-            </a:r>
-            <a:r>
-              <a:rPr lang="de-DE" dirty="0" err="1"/>
-              <a:t>further</a:t>
-            </a:r>
-            <a:r>
-              <a:rPr lang="de-DE" dirty="0"/>
-              <a:t> </a:t>
-            </a:r>
-            <a:r>
-              <a:rPr lang="de-DE" dirty="0" err="1"/>
-              <a:t>processing</a:t>
-            </a:r>
-            <a:r>
-              <a:rPr lang="de-DE" dirty="0"/>
-              <a:t>/</a:t>
-            </a:r>
-            <a:r>
-              <a:rPr lang="de-DE" dirty="0" err="1"/>
-              <a:t>altering</a:t>
-            </a:r>
-            <a:r>
-              <a:rPr lang="de-DE" dirty="0"/>
-              <a:t> </a:t>
-            </a:r>
-            <a:r>
-              <a:rPr lang="de-DE" dirty="0" err="1"/>
-              <a:t>of</a:t>
-            </a:r>
-            <a:r>
-              <a:rPr lang="de-DE" dirty="0"/>
-              <a:t> </a:t>
-            </a:r>
-            <a:r>
-              <a:rPr lang="de-DE" dirty="0" err="1"/>
-              <a:t>parameters</a:t>
-            </a:r>
-            <a:r>
-              <a:rPr lang="de-DE" dirty="0"/>
-              <a:t>)</a:t>
-            </a:r>
-          </a:p>
-          <a:p>
-            <a:r>
-              <a:rPr lang="de-DE" dirty="0"/>
-              <a:t>(</a:t>
-            </a:r>
-            <a:r>
-              <a:rPr lang="de-DE" dirty="0" err="1"/>
-              <a:t>Obj</a:t>
-            </a:r>
-            <a:r>
-              <a:rPr lang="de-DE" dirty="0"/>
-              <a:t> 4) </a:t>
-            </a:r>
-            <a:r>
-              <a:rPr lang="de-DE" dirty="0" err="1"/>
-              <a:t>Theoretically</a:t>
-            </a:r>
-            <a:r>
-              <a:rPr lang="de-DE" dirty="0"/>
-              <a:t> </a:t>
-            </a:r>
-            <a:r>
-              <a:rPr lang="de-DE" dirty="0" err="1"/>
-              <a:t>we</a:t>
-            </a:r>
-            <a:r>
-              <a:rPr lang="de-DE" dirty="0"/>
-              <a:t> could </a:t>
-            </a:r>
-            <a:r>
-              <a:rPr lang="de-DE" dirty="0" err="1"/>
-              <a:t>control</a:t>
-            </a:r>
-            <a:r>
-              <a:rPr lang="de-DE" dirty="0"/>
-              <a:t> </a:t>
-            </a:r>
-            <a:r>
-              <a:rPr lang="de-DE" dirty="0" err="1"/>
-              <a:t>whether</a:t>
-            </a:r>
-            <a:r>
-              <a:rPr lang="de-DE" dirty="0"/>
-              <a:t> there </a:t>
-            </a:r>
-            <a:r>
-              <a:rPr lang="de-DE" dirty="0" err="1"/>
-              <a:t>are</a:t>
-            </a:r>
-            <a:r>
-              <a:rPr lang="de-DE" dirty="0"/>
-              <a:t> MORE </a:t>
-            </a:r>
-            <a:r>
-              <a:rPr lang="de-DE" dirty="0" err="1"/>
-              <a:t>delays</a:t>
-            </a:r>
-            <a:r>
-              <a:rPr lang="de-DE" dirty="0"/>
-              <a:t> form </a:t>
-            </a:r>
-            <a:r>
-              <a:rPr lang="de-DE" dirty="0" err="1"/>
-              <a:t>notrhern</a:t>
-            </a:r>
-            <a:r>
-              <a:rPr lang="de-DE" dirty="0"/>
-              <a:t> Airports, </a:t>
-            </a:r>
-            <a:r>
-              <a:rPr lang="de-DE" dirty="0" err="1"/>
-              <a:t>neglecting</a:t>
-            </a:r>
-            <a:r>
-              <a:rPr lang="de-DE" dirty="0"/>
-              <a:t> </a:t>
-            </a:r>
-            <a:r>
-              <a:rPr lang="de-DE" dirty="0" err="1"/>
-              <a:t>the</a:t>
-            </a:r>
-            <a:r>
-              <a:rPr lang="de-DE" dirty="0"/>
-              <a:t> </a:t>
-            </a:r>
-            <a:r>
-              <a:rPr lang="de-DE" dirty="0" err="1"/>
-              <a:t>actual</a:t>
-            </a:r>
-            <a:r>
-              <a:rPr lang="de-DE" dirty="0"/>
-              <a:t> </a:t>
-            </a:r>
-            <a:r>
-              <a:rPr lang="de-DE" dirty="0" err="1"/>
-              <a:t>minute</a:t>
-            </a:r>
-            <a:r>
-              <a:rPr lang="de-DE" dirty="0"/>
-              <a:t> </a:t>
-            </a:r>
-            <a:r>
-              <a:rPr lang="de-DE" dirty="0" err="1"/>
-              <a:t>count</a:t>
-            </a:r>
-            <a:r>
-              <a:rPr lang="de-DE" dirty="0"/>
-              <a:t> -&gt; e.g. 20% </a:t>
-            </a:r>
-            <a:r>
-              <a:rPr lang="de-DE" dirty="0" err="1"/>
-              <a:t>of</a:t>
-            </a:r>
-            <a:r>
-              <a:rPr lang="de-DE" dirty="0"/>
-              <a:t> </a:t>
-            </a:r>
-            <a:r>
-              <a:rPr lang="de-DE" dirty="0" err="1"/>
-              <a:t>flights</a:t>
-            </a:r>
-            <a:r>
-              <a:rPr lang="de-DE" dirty="0"/>
-              <a:t> from </a:t>
-            </a:r>
-            <a:r>
-              <a:rPr lang="de-DE" dirty="0" err="1"/>
-              <a:t>the</a:t>
-            </a:r>
-            <a:r>
-              <a:rPr lang="de-DE" dirty="0"/>
-              <a:t> </a:t>
-            </a:r>
-            <a:r>
-              <a:rPr lang="de-DE" dirty="0" err="1"/>
-              <a:t>north</a:t>
-            </a:r>
-            <a:r>
-              <a:rPr lang="de-DE" dirty="0"/>
-              <a:t> </a:t>
-            </a:r>
-            <a:r>
-              <a:rPr lang="de-DE" dirty="0" err="1"/>
-              <a:t>are</a:t>
-            </a:r>
-            <a:r>
-              <a:rPr lang="de-DE" dirty="0"/>
-              <a:t> </a:t>
-            </a:r>
-            <a:r>
-              <a:rPr lang="de-DE" dirty="0" err="1"/>
-              <a:t>delayed</a:t>
-            </a:r>
-            <a:r>
-              <a:rPr lang="de-DE" dirty="0"/>
-              <a:t> / </a:t>
-            </a:r>
-            <a:r>
-              <a:rPr lang="de-DE" dirty="0" err="1"/>
-              <a:t>we</a:t>
-            </a:r>
-            <a:r>
-              <a:rPr lang="de-DE" dirty="0"/>
-              <a:t> could also </a:t>
-            </a:r>
-            <a:r>
-              <a:rPr lang="de-DE" dirty="0" err="1"/>
-              <a:t>control</a:t>
-            </a:r>
-            <a:r>
-              <a:rPr lang="de-DE" dirty="0"/>
-              <a:t> </a:t>
-            </a:r>
-            <a:r>
-              <a:rPr lang="de-DE" dirty="0" err="1"/>
-              <a:t>for</a:t>
-            </a:r>
-            <a:r>
-              <a:rPr lang="de-DE" dirty="0"/>
-              <a:t> </a:t>
-            </a:r>
-            <a:r>
-              <a:rPr lang="de-DE" dirty="0" err="1"/>
-              <a:t>winter</a:t>
-            </a:r>
-            <a:r>
-              <a:rPr lang="de-DE" dirty="0"/>
-              <a:t> </a:t>
-            </a:r>
-            <a:r>
-              <a:rPr lang="de-DE" dirty="0" err="1"/>
-              <a:t>months</a:t>
-            </a:r>
-            <a:r>
-              <a:rPr lang="de-DE" dirty="0"/>
-              <a:t> etc. </a:t>
-            </a:r>
-          </a:p>
-          <a:p>
-            <a:pPr lvl="1"/>
-            <a:r>
-              <a:rPr lang="de-DE" dirty="0" err="1"/>
-              <a:t>Ideas</a:t>
-            </a:r>
-            <a:r>
-              <a:rPr lang="de-DE" dirty="0"/>
-              <a:t>: </a:t>
-            </a:r>
-            <a:r>
-              <a:rPr lang="de-DE" dirty="0" err="1"/>
-              <a:t>query</a:t>
-            </a:r>
-            <a:r>
-              <a:rPr lang="de-DE" dirty="0"/>
-              <a:t> </a:t>
-            </a:r>
-            <a:r>
-              <a:rPr lang="de-DE" dirty="0" err="1"/>
-              <a:t>the</a:t>
-            </a:r>
-            <a:r>
-              <a:rPr lang="de-DE" dirty="0"/>
-              <a:t> </a:t>
-            </a:r>
-            <a:r>
-              <a:rPr lang="de-DE" dirty="0" err="1"/>
-              <a:t>delays</a:t>
-            </a:r>
-            <a:r>
-              <a:rPr lang="de-DE" dirty="0"/>
-              <a:t> </a:t>
-            </a:r>
-            <a:r>
-              <a:rPr lang="de-DE" dirty="0" err="1"/>
-              <a:t>by</a:t>
-            </a:r>
-            <a:r>
-              <a:rPr lang="de-DE" dirty="0"/>
-              <a:t> </a:t>
-            </a:r>
-            <a:r>
-              <a:rPr lang="de-DE" dirty="0" err="1"/>
-              <a:t>month</a:t>
-            </a:r>
-            <a:r>
-              <a:rPr lang="de-DE" dirty="0"/>
-              <a:t>? Are </a:t>
-            </a:r>
-            <a:r>
-              <a:rPr lang="de-DE" dirty="0" err="1"/>
-              <a:t>flights</a:t>
-            </a:r>
-            <a:r>
-              <a:rPr lang="de-DE" dirty="0"/>
-              <a:t> in </a:t>
-            </a:r>
-            <a:r>
-              <a:rPr lang="de-DE" dirty="0" err="1"/>
-              <a:t>winter</a:t>
-            </a:r>
-            <a:r>
-              <a:rPr lang="de-DE" dirty="0"/>
-              <a:t> </a:t>
-            </a:r>
-            <a:r>
-              <a:rPr lang="de-DE" dirty="0" err="1"/>
-              <a:t>more</a:t>
-            </a:r>
-            <a:r>
-              <a:rPr lang="de-DE" dirty="0"/>
-              <a:t> </a:t>
-            </a:r>
-            <a:r>
-              <a:rPr lang="de-DE" dirty="0" err="1"/>
-              <a:t>delayed</a:t>
-            </a:r>
-            <a:r>
-              <a:rPr lang="de-DE" dirty="0"/>
-              <a:t>? I am not </a:t>
-            </a:r>
-            <a:r>
-              <a:rPr lang="de-DE" dirty="0" err="1"/>
-              <a:t>sure</a:t>
-            </a:r>
-            <a:r>
-              <a:rPr lang="de-DE" dirty="0"/>
-              <a:t> </a:t>
-            </a:r>
-            <a:r>
-              <a:rPr lang="de-DE" dirty="0" err="1"/>
-              <a:t>how</a:t>
-            </a:r>
-            <a:r>
-              <a:rPr lang="de-DE" dirty="0"/>
-              <a:t> </a:t>
-            </a:r>
-            <a:r>
-              <a:rPr lang="de-DE" dirty="0" err="1"/>
-              <a:t>many</a:t>
-            </a:r>
-            <a:r>
-              <a:rPr lang="de-DE" dirty="0"/>
-              <a:t> </a:t>
-            </a:r>
-            <a:r>
-              <a:rPr lang="de-DE" dirty="0" err="1"/>
-              <a:t>queries</a:t>
-            </a:r>
-            <a:r>
-              <a:rPr lang="de-DE" dirty="0"/>
-              <a:t> </a:t>
-            </a:r>
-            <a:r>
-              <a:rPr lang="de-DE" dirty="0" err="1"/>
-              <a:t>we</a:t>
-            </a:r>
-            <a:r>
-              <a:rPr lang="de-DE" dirty="0"/>
-              <a:t> </a:t>
-            </a:r>
-            <a:r>
-              <a:rPr lang="de-DE" dirty="0" err="1"/>
-              <a:t>should</a:t>
-            </a:r>
-            <a:r>
-              <a:rPr lang="de-DE" dirty="0"/>
-              <a:t> have</a:t>
-            </a:r>
-          </a:p>
-        </p:txBody>
-      </p:sp>
-    </p:spTree>
-    <p:extLst>
-      <p:ext uri="{BB962C8B-B14F-4D97-AF65-F5344CB8AC3E}">
-        <p14:creationId xmlns:p14="http://schemas.microsoft.com/office/powerpoint/2010/main" val="236041736"/>
       </p:ext>
     </p:extLst>
   </p:cSld>
